--- a/Презентация1.pptx
+++ b/Презентация1.pptx
@@ -3619,9 +3619,12 @@
           <a:lstStyle/>
           <a:p>
             <a:r>
-              <a:rPr lang="ru-RU" dirty="0"/>
+              <a:rPr lang="ru-RU" dirty="0">
+                <a:hlinkClick r:id="rId2"/>
+              </a:rPr>
               <a:t>сайт</a:t>
             </a:r>
+            <a:endParaRPr lang="ru-RU" dirty="0"/>
           </a:p>
         </p:txBody>
       </p:sp>
@@ -3640,7 +3643,7 @@
           <p:nvPr/>
         </p:nvPicPr>
         <p:blipFill>
-          <a:blip r:embed="rId2"/>
+          <a:blip r:embed="rId3"/>
           <a:stretch>
             <a:fillRect/>
           </a:stretch>
